--- a/Design_Structure_1.pptx
+++ b/Design_Structure_1.pptx
@@ -108,6 +108,11 @@
       </a:defRPr>
     </a:lvl9pPr>
   </p:defaultTextStyle>
+  <p:extLst>
+    <p:ext uri="{EFAFB233-063F-42B5-8137-9DF3F51BA10A}">
+      <p15:sldGuideLst xmlns:p15="http://schemas.microsoft.com/office/powerpoint/2012/main"/>
+    </p:ext>
+  </p:extLst>
 </p:presentation>
 </file>
 
@@ -270,7 +275,7 @@
           <a:p>
             <a:fld id="{4553201E-3569-5C48-B48E-D0D054CA9441}" type="datetimeFigureOut">
               <a:rPr lang="en-US" smtClean="0"/>
-              <a:t>8/31/21</a:t>
+              <a:t>9/1/21</a:t>
             </a:fld>
             <a:endParaRPr lang="en-US"/>
           </a:p>
@@ -468,7 +473,7 @@
           <a:p>
             <a:fld id="{4553201E-3569-5C48-B48E-D0D054CA9441}" type="datetimeFigureOut">
               <a:rPr lang="en-US" smtClean="0"/>
-              <a:t>8/31/21</a:t>
+              <a:t>9/1/21</a:t>
             </a:fld>
             <a:endParaRPr lang="en-US"/>
           </a:p>
@@ -676,7 +681,7 @@
           <a:p>
             <a:fld id="{4553201E-3569-5C48-B48E-D0D054CA9441}" type="datetimeFigureOut">
               <a:rPr lang="en-US" smtClean="0"/>
-              <a:t>8/31/21</a:t>
+              <a:t>9/1/21</a:t>
             </a:fld>
             <a:endParaRPr lang="en-US"/>
           </a:p>
@@ -874,7 +879,7 @@
           <a:p>
             <a:fld id="{4553201E-3569-5C48-B48E-D0D054CA9441}" type="datetimeFigureOut">
               <a:rPr lang="en-US" smtClean="0"/>
-              <a:t>8/31/21</a:t>
+              <a:t>9/1/21</a:t>
             </a:fld>
             <a:endParaRPr lang="en-US"/>
           </a:p>
@@ -1149,7 +1154,7 @@
           <a:p>
             <a:fld id="{4553201E-3569-5C48-B48E-D0D054CA9441}" type="datetimeFigureOut">
               <a:rPr lang="en-US" smtClean="0"/>
-              <a:t>8/31/21</a:t>
+              <a:t>9/1/21</a:t>
             </a:fld>
             <a:endParaRPr lang="en-US"/>
           </a:p>
@@ -1414,7 +1419,7 @@
           <a:p>
             <a:fld id="{4553201E-3569-5C48-B48E-D0D054CA9441}" type="datetimeFigureOut">
               <a:rPr lang="en-US" smtClean="0"/>
-              <a:t>8/31/21</a:t>
+              <a:t>9/1/21</a:t>
             </a:fld>
             <a:endParaRPr lang="en-US"/>
           </a:p>
@@ -1826,7 +1831,7 @@
           <a:p>
             <a:fld id="{4553201E-3569-5C48-B48E-D0D054CA9441}" type="datetimeFigureOut">
               <a:rPr lang="en-US" smtClean="0"/>
-              <a:t>8/31/21</a:t>
+              <a:t>9/1/21</a:t>
             </a:fld>
             <a:endParaRPr lang="en-US"/>
           </a:p>
@@ -1967,7 +1972,7 @@
           <a:p>
             <a:fld id="{4553201E-3569-5C48-B48E-D0D054CA9441}" type="datetimeFigureOut">
               <a:rPr lang="en-US" smtClean="0"/>
-              <a:t>8/31/21</a:t>
+              <a:t>9/1/21</a:t>
             </a:fld>
             <a:endParaRPr lang="en-US"/>
           </a:p>
@@ -2080,7 +2085,7 @@
           <a:p>
             <a:fld id="{4553201E-3569-5C48-B48E-D0D054CA9441}" type="datetimeFigureOut">
               <a:rPr lang="en-US" smtClean="0"/>
-              <a:t>8/31/21</a:t>
+              <a:t>9/1/21</a:t>
             </a:fld>
             <a:endParaRPr lang="en-US"/>
           </a:p>
@@ -2391,7 +2396,7 @@
           <a:p>
             <a:fld id="{4553201E-3569-5C48-B48E-D0D054CA9441}" type="datetimeFigureOut">
               <a:rPr lang="en-US" smtClean="0"/>
-              <a:t>8/31/21</a:t>
+              <a:t>9/1/21</a:t>
             </a:fld>
             <a:endParaRPr lang="en-US"/>
           </a:p>
@@ -2679,7 +2684,7 @@
           <a:p>
             <a:fld id="{4553201E-3569-5C48-B48E-D0D054CA9441}" type="datetimeFigureOut">
               <a:rPr lang="en-US" smtClean="0"/>
-              <a:t>8/31/21</a:t>
+              <a:t>9/1/21</a:t>
             </a:fld>
             <a:endParaRPr lang="en-US"/>
           </a:p>
@@ -2920,7 +2925,7 @@
           <a:p>
             <a:fld id="{4553201E-3569-5C48-B48E-D0D054CA9441}" type="datetimeFigureOut">
               <a:rPr lang="en-US" smtClean="0"/>
-              <a:t>8/31/21</a:t>
+              <a:t>9/1/21</a:t>
             </a:fld>
             <a:endParaRPr lang="en-US"/>
           </a:p>
@@ -3666,8 +3671,8 @@
         </p:nvSpPr>
         <p:spPr>
           <a:xfrm>
-            <a:off x="3902763" y="1899564"/>
-            <a:ext cx="6327915" cy="914400"/>
+            <a:off x="3886720" y="2128959"/>
+            <a:ext cx="6327915" cy="638473"/>
           </a:xfrm>
           <a:prstGeom prst="roundRect">
             <a:avLst/>
@@ -3755,8 +3760,8 @@
         </p:nvSpPr>
         <p:spPr>
           <a:xfrm>
-            <a:off x="3902763" y="2971800"/>
-            <a:ext cx="6327915" cy="914400"/>
+            <a:off x="3902763" y="3628936"/>
+            <a:ext cx="6327915" cy="638473"/>
           </a:xfrm>
           <a:prstGeom prst="roundRect">
             <a:avLst/>
@@ -3801,8 +3806,8 @@
         </p:nvSpPr>
         <p:spPr>
           <a:xfrm>
-            <a:off x="3902763" y="4044036"/>
-            <a:ext cx="6327915" cy="914400"/>
+            <a:off x="3902763" y="4385408"/>
+            <a:ext cx="6327915" cy="638473"/>
           </a:xfrm>
           <a:prstGeom prst="roundRect">
             <a:avLst/>
@@ -3848,7 +3853,7 @@
         <p:spPr>
           <a:xfrm>
             <a:off x="3902763" y="5112622"/>
-            <a:ext cx="6327915" cy="914400"/>
+            <a:ext cx="6327915" cy="638473"/>
           </a:xfrm>
           <a:prstGeom prst="roundRect">
             <a:avLst/>
@@ -3896,8 +3901,8 @@
         </p:nvCxnSpPr>
         <p:spPr>
           <a:xfrm rot="5400000" flipH="1" flipV="1">
-            <a:off x="2969507" y="3068048"/>
-            <a:ext cx="1644539" cy="221973"/>
+            <a:off x="2884481" y="3228462"/>
+            <a:ext cx="1782505" cy="221974"/>
           </a:xfrm>
           <a:prstGeom prst="bentConnector2">
             <a:avLst/>
@@ -3940,7 +3945,7 @@
         <p:spPr>
           <a:xfrm>
             <a:off x="3680790" y="4001294"/>
-            <a:ext cx="221973" cy="499942"/>
+            <a:ext cx="221973" cy="703351"/>
           </a:xfrm>
           <a:prstGeom prst="bentConnector3">
             <a:avLst>
@@ -3983,8 +3988,8 @@
         </p:nvCxnSpPr>
         <p:spPr>
           <a:xfrm rot="5400000" flipH="1" flipV="1">
-            <a:off x="3505625" y="3604166"/>
-            <a:ext cx="572303" cy="221973"/>
+            <a:off x="3436642" y="4192321"/>
+            <a:ext cx="710269" cy="221974"/>
           </a:xfrm>
           <a:prstGeom prst="bentConnector2">
             <a:avLst/>
@@ -4025,10 +4030,100 @@
         </p:nvCxnSpPr>
         <p:spPr>
           <a:xfrm rot="16200000" flipH="1">
-            <a:off x="3332621" y="4999680"/>
-            <a:ext cx="918310" cy="221974"/>
+            <a:off x="3401602" y="4930698"/>
+            <a:ext cx="780348" cy="221973"/>
           </a:xfrm>
           <a:prstGeom prst="bentConnector2">
+            <a:avLst/>
+          </a:prstGeom>
+          <a:ln>
+            <a:tailEnd type="triangle"/>
+          </a:ln>
+        </p:spPr>
+        <p:style>
+          <a:lnRef idx="1">
+            <a:schemeClr val="accent1"/>
+          </a:lnRef>
+          <a:fillRef idx="0">
+            <a:schemeClr val="accent1"/>
+          </a:fillRef>
+          <a:effectRef idx="0">
+            <a:schemeClr val="accent1"/>
+          </a:effectRef>
+          <a:fontRef idx="minor">
+            <a:schemeClr val="tx1"/>
+          </a:fontRef>
+        </p:style>
+      </p:cxnSp>
+      <p:sp>
+        <p:nvSpPr>
+          <p:cNvPr id="21" name="Rounded Rectangle 20">
+            <a:extLst>
+              <a:ext uri="{FF2B5EF4-FFF2-40B4-BE49-F238E27FC236}">
+                <a16:creationId xmlns:a16="http://schemas.microsoft.com/office/drawing/2014/main" id="{69699E33-83A4-E84D-A5AC-ECC151E0860E}"/>
+              </a:ext>
+            </a:extLst>
+          </p:cNvPr>
+          <p:cNvSpPr/>
+          <p:nvPr/>
+        </p:nvSpPr>
+        <p:spPr>
+          <a:xfrm>
+            <a:off x="3902763" y="2885198"/>
+            <a:ext cx="6327915" cy="638473"/>
+          </a:xfrm>
+          <a:prstGeom prst="roundRect">
+            <a:avLst/>
+          </a:prstGeom>
+        </p:spPr>
+        <p:style>
+          <a:lnRef idx="2">
+            <a:schemeClr val="accent5">
+              <a:shade val="50000"/>
+            </a:schemeClr>
+          </a:lnRef>
+          <a:fillRef idx="1">
+            <a:schemeClr val="accent5"/>
+          </a:fillRef>
+          <a:effectRef idx="0">
+            <a:schemeClr val="accent5"/>
+          </a:effectRef>
+          <a:fontRef idx="minor">
+            <a:schemeClr val="lt1"/>
+          </a:fontRef>
+        </p:style>
+        <p:txBody>
+          <a:bodyPr rtlCol="0" anchor="ctr"/>
+          <a:lstStyle/>
+          <a:p>
+            <a:r>
+              <a:rPr lang="en-US" dirty="0"/>
+              <a:t>BMI. </a:t>
+            </a:r>
+          </a:p>
+        </p:txBody>
+      </p:sp>
+      <p:cxnSp>
+        <p:nvCxnSpPr>
+          <p:cNvPr id="18" name="Straight Arrow Connector 17">
+            <a:extLst>
+              <a:ext uri="{FF2B5EF4-FFF2-40B4-BE49-F238E27FC236}">
+                <a16:creationId xmlns:a16="http://schemas.microsoft.com/office/drawing/2014/main" id="{C4D8E9C8-1236-554F-8E74-C938A8586221}"/>
+              </a:ext>
+            </a:extLst>
+          </p:cNvPr>
+          <p:cNvCxnSpPr>
+            <a:cxnSpLocks/>
+            <a:endCxn id="21" idx="1"/>
+          </p:cNvCxnSpPr>
+          <p:nvPr/>
+        </p:nvCxnSpPr>
+        <p:spPr>
+          <a:xfrm flipV="1">
+            <a:off x="3680789" y="3204435"/>
+            <a:ext cx="221974" cy="285572"/>
+          </a:xfrm>
+          <a:prstGeom prst="straightConnector1">
             <a:avLst/>
           </a:prstGeom>
           <a:ln>
@@ -4233,7 +4328,7 @@
         </p:nvCxnSpPr>
         <p:spPr>
           <a:xfrm>
-            <a:off x="293061" y="3429000"/>
+            <a:off x="305245" y="3285484"/>
             <a:ext cx="2637183" cy="0"/>
           </a:xfrm>
           <a:prstGeom prst="line">
@@ -4269,7 +4364,7 @@
         </p:nvSpPr>
         <p:spPr>
           <a:xfrm>
-            <a:off x="422269" y="1744799"/>
+            <a:off x="703107" y="1602586"/>
             <a:ext cx="1918253" cy="369332"/>
           </a:xfrm>
           <a:prstGeom prst="rect">
@@ -4310,7 +4405,7 @@
         </p:nvSpPr>
         <p:spPr>
           <a:xfrm>
-            <a:off x="909287" y="2250110"/>
+            <a:off x="921471" y="2106594"/>
             <a:ext cx="1431235" cy="1431235"/>
           </a:xfrm>
           <a:prstGeom prst="ellipse">
@@ -4355,7 +4450,7 @@
         </p:nvSpPr>
         <p:spPr>
           <a:xfrm>
-            <a:off x="1215742" y="2556565"/>
+            <a:off x="1227926" y="2413049"/>
             <a:ext cx="818324" cy="818324"/>
           </a:xfrm>
           <a:prstGeom prst="smileyFace">
@@ -4505,194 +4600,6 @@
                 </a:solidFill>
               </a:rPr>
               <a:t>Current Goal Info </a:t>
-            </a:r>
-          </a:p>
-        </p:txBody>
-      </p:sp>
-      <p:sp>
-        <p:nvSpPr>
-          <p:cNvPr id="17" name="Rounded Rectangle 16">
-            <a:extLst>
-              <a:ext uri="{FF2B5EF4-FFF2-40B4-BE49-F238E27FC236}">
-                <a16:creationId xmlns:a16="http://schemas.microsoft.com/office/drawing/2014/main" id="{95FE8FB0-C451-D448-BB1F-53B2A7AF152F}"/>
-              </a:ext>
-            </a:extLst>
-          </p:cNvPr>
-          <p:cNvSpPr/>
-          <p:nvPr/>
-        </p:nvSpPr>
-        <p:spPr>
-          <a:xfrm>
-            <a:off x="479835" y="5873913"/>
-            <a:ext cx="463136" cy="463136"/>
-          </a:xfrm>
-          <a:prstGeom prst="roundRect">
-            <a:avLst/>
-          </a:prstGeom>
-        </p:spPr>
-        <p:style>
-          <a:lnRef idx="1">
-            <a:schemeClr val="accent5"/>
-          </a:lnRef>
-          <a:fillRef idx="3">
-            <a:schemeClr val="accent5"/>
-          </a:fillRef>
-          <a:effectRef idx="2">
-            <a:schemeClr val="accent5"/>
-          </a:effectRef>
-          <a:fontRef idx="minor">
-            <a:schemeClr val="lt1"/>
-          </a:fontRef>
-        </p:style>
-        <p:txBody>
-          <a:bodyPr rtlCol="0" anchor="ctr"/>
-          <a:lstStyle/>
-          <a:p>
-            <a:pPr algn="ctr"/>
-            <a:r>
-              <a:rPr lang="en-US" dirty="0"/>
-              <a:t>H</a:t>
-            </a:r>
-          </a:p>
-        </p:txBody>
-      </p:sp>
-      <p:sp>
-        <p:nvSpPr>
-          <p:cNvPr id="18" name="Rounded Rectangle 17">
-            <a:extLst>
-              <a:ext uri="{FF2B5EF4-FFF2-40B4-BE49-F238E27FC236}">
-                <a16:creationId xmlns:a16="http://schemas.microsoft.com/office/drawing/2014/main" id="{4810E460-FFEE-6948-AEC7-24D07B523C71}"/>
-              </a:ext>
-            </a:extLst>
-          </p:cNvPr>
-          <p:cNvSpPr/>
-          <p:nvPr/>
-        </p:nvSpPr>
-        <p:spPr>
-          <a:xfrm>
-            <a:off x="1083773" y="5873913"/>
-            <a:ext cx="463136" cy="463136"/>
-          </a:xfrm>
-          <a:prstGeom prst="roundRect">
-            <a:avLst/>
-          </a:prstGeom>
-        </p:spPr>
-        <p:style>
-          <a:lnRef idx="1">
-            <a:schemeClr val="accent5"/>
-          </a:lnRef>
-          <a:fillRef idx="3">
-            <a:schemeClr val="accent5"/>
-          </a:fillRef>
-          <a:effectRef idx="2">
-            <a:schemeClr val="accent5"/>
-          </a:effectRef>
-          <a:fontRef idx="minor">
-            <a:schemeClr val="lt1"/>
-          </a:fontRef>
-        </p:style>
-        <p:txBody>
-          <a:bodyPr rtlCol="0" anchor="ctr"/>
-          <a:lstStyle/>
-          <a:p>
-            <a:pPr algn="ctr"/>
-            <a:r>
-              <a:rPr lang="en-US" dirty="0"/>
-              <a:t>G</a:t>
-            </a:r>
-          </a:p>
-        </p:txBody>
-      </p:sp>
-      <p:sp>
-        <p:nvSpPr>
-          <p:cNvPr id="19" name="Rounded Rectangle 18">
-            <a:extLst>
-              <a:ext uri="{FF2B5EF4-FFF2-40B4-BE49-F238E27FC236}">
-                <a16:creationId xmlns:a16="http://schemas.microsoft.com/office/drawing/2014/main" id="{CAA6C279-F9DA-9B47-9844-420957C038C2}"/>
-              </a:ext>
-            </a:extLst>
-          </p:cNvPr>
-          <p:cNvSpPr/>
-          <p:nvPr/>
-        </p:nvSpPr>
-        <p:spPr>
-          <a:xfrm>
-            <a:off x="1687711" y="5873913"/>
-            <a:ext cx="463136" cy="463136"/>
-          </a:xfrm>
-          <a:prstGeom prst="roundRect">
-            <a:avLst/>
-          </a:prstGeom>
-        </p:spPr>
-        <p:style>
-          <a:lnRef idx="1">
-            <a:schemeClr val="accent5"/>
-          </a:lnRef>
-          <a:fillRef idx="3">
-            <a:schemeClr val="accent5"/>
-          </a:fillRef>
-          <a:effectRef idx="2">
-            <a:schemeClr val="accent5"/>
-          </a:effectRef>
-          <a:fontRef idx="minor">
-            <a:schemeClr val="lt1"/>
-          </a:fontRef>
-        </p:style>
-        <p:txBody>
-          <a:bodyPr rtlCol="0" anchor="ctr"/>
-          <a:lstStyle/>
-          <a:p>
-            <a:pPr algn="ctr"/>
-            <a:r>
-              <a:rPr lang="en-US" dirty="0"/>
-              <a:t>T</a:t>
-            </a:r>
-          </a:p>
-        </p:txBody>
-      </p:sp>
-      <p:sp>
-        <p:nvSpPr>
-          <p:cNvPr id="20" name="Rounded Rectangle 19">
-            <a:extLst>
-              <a:ext uri="{FF2B5EF4-FFF2-40B4-BE49-F238E27FC236}">
-                <a16:creationId xmlns:a16="http://schemas.microsoft.com/office/drawing/2014/main" id="{66C2A029-D36C-BB45-A0D4-29E12C243019}"/>
-              </a:ext>
-            </a:extLst>
-          </p:cNvPr>
-          <p:cNvSpPr/>
-          <p:nvPr/>
-        </p:nvSpPr>
-        <p:spPr>
-          <a:xfrm>
-            <a:off x="2319677" y="5873913"/>
-            <a:ext cx="463136" cy="463136"/>
-          </a:xfrm>
-          <a:prstGeom prst="roundRect">
-            <a:avLst/>
-          </a:prstGeom>
-        </p:spPr>
-        <p:style>
-          <a:lnRef idx="1">
-            <a:schemeClr val="accent5"/>
-          </a:lnRef>
-          <a:fillRef idx="3">
-            <a:schemeClr val="accent5"/>
-          </a:fillRef>
-          <a:effectRef idx="2">
-            <a:schemeClr val="accent5"/>
-          </a:effectRef>
-          <a:fontRef idx="minor">
-            <a:schemeClr val="lt1"/>
-          </a:fontRef>
-        </p:style>
-        <p:txBody>
-          <a:bodyPr rtlCol="0" anchor="ctr"/>
-          <a:lstStyle/>
-          <a:p>
-            <a:pPr algn="ctr"/>
-            <a:r>
-              <a:rPr lang="en-US" dirty="0"/>
-              <a:t>W</a:t>
             </a:r>
           </a:p>
         </p:txBody>
@@ -5503,142 +5410,6 @@
             <a:r>
               <a:rPr lang="en-US" dirty="0"/>
               <a:t>W</a:t>
-            </a:r>
-          </a:p>
-        </p:txBody>
-      </p:sp>
-      <p:sp>
-        <p:nvSpPr>
-          <p:cNvPr id="45" name="Rounded Rectangle 44">
-            <a:extLst>
-              <a:ext uri="{FF2B5EF4-FFF2-40B4-BE49-F238E27FC236}">
-                <a16:creationId xmlns:a16="http://schemas.microsoft.com/office/drawing/2014/main" id="{5B3554C6-EB78-EB40-836C-1E87C1298812}"/>
-              </a:ext>
-            </a:extLst>
-          </p:cNvPr>
-          <p:cNvSpPr/>
-          <p:nvPr/>
-        </p:nvSpPr>
-        <p:spPr>
-          <a:xfrm>
-            <a:off x="2319677" y="1691929"/>
-            <a:ext cx="463136" cy="463136"/>
-          </a:xfrm>
-          <a:prstGeom prst="roundRect">
-            <a:avLst/>
-          </a:prstGeom>
-        </p:spPr>
-        <p:style>
-          <a:lnRef idx="1">
-            <a:schemeClr val="accent5"/>
-          </a:lnRef>
-          <a:fillRef idx="3">
-            <a:schemeClr val="accent5"/>
-          </a:fillRef>
-          <a:effectRef idx="2">
-            <a:schemeClr val="accent5"/>
-          </a:effectRef>
-          <a:fontRef idx="minor">
-            <a:schemeClr val="lt1"/>
-          </a:fontRef>
-        </p:style>
-        <p:txBody>
-          <a:bodyPr rtlCol="0" anchor="ctr"/>
-          <a:lstStyle/>
-          <a:p>
-            <a:pPr algn="ctr"/>
-            <a:r>
-              <a:rPr lang="en-US" dirty="0"/>
-              <a:t>U</a:t>
-            </a:r>
-          </a:p>
-        </p:txBody>
-      </p:sp>
-      <p:sp>
-        <p:nvSpPr>
-          <p:cNvPr id="46" name="TextBox 45">
-            <a:extLst>
-              <a:ext uri="{FF2B5EF4-FFF2-40B4-BE49-F238E27FC236}">
-                <a16:creationId xmlns:a16="http://schemas.microsoft.com/office/drawing/2014/main" id="{FEA91F38-EC51-3D41-B0B3-2B37609E6D58}"/>
-              </a:ext>
-            </a:extLst>
-          </p:cNvPr>
-          <p:cNvSpPr txBox="1"/>
-          <p:nvPr/>
-        </p:nvSpPr>
-        <p:spPr>
-          <a:xfrm>
-            <a:off x="2266868" y="2106120"/>
-            <a:ext cx="895278" cy="1015663"/>
-          </a:xfrm>
-          <a:prstGeom prst="rect">
-            <a:avLst/>
-          </a:prstGeom>
-          <a:noFill/>
-        </p:spPr>
-        <p:txBody>
-          <a:bodyPr wrap="square" rtlCol="0">
-            <a:spAutoFit/>
-          </a:bodyPr>
-          <a:lstStyle/>
-          <a:p>
-            <a:r>
-              <a:rPr lang="en-US" sz="1200" dirty="0">
-                <a:solidFill>
-                  <a:schemeClr val="accent1">
-                    <a:lumMod val="75000"/>
-                  </a:schemeClr>
-                </a:solidFill>
-              </a:rPr>
-              <a:t>Setting for:</a:t>
-            </a:r>
-          </a:p>
-          <a:p>
-            <a:r>
-              <a:rPr lang="en-US" sz="1200" dirty="0">
-                <a:solidFill>
-                  <a:schemeClr val="accent1">
-                    <a:lumMod val="75000"/>
-                  </a:schemeClr>
-                </a:solidFill>
-              </a:rPr>
-              <a:t>User ID</a:t>
-            </a:r>
-          </a:p>
-          <a:p>
-            <a:r>
-              <a:rPr lang="en-US" sz="1200" dirty="0">
-                <a:solidFill>
-                  <a:schemeClr val="accent1">
-                    <a:lumMod val="75000"/>
-                  </a:schemeClr>
-                </a:solidFill>
-              </a:rPr>
-              <a:t>Email</a:t>
-            </a:r>
-          </a:p>
-          <a:p>
-            <a:r>
-              <a:rPr lang="en-US" sz="1200" dirty="0">
-                <a:solidFill>
-                  <a:schemeClr val="accent1">
-                    <a:lumMod val="75000"/>
-                  </a:schemeClr>
-                </a:solidFill>
-              </a:rPr>
-              <a:t>Password</a:t>
-            </a:r>
-          </a:p>
-          <a:p>
-            <a:r>
-              <a:rPr lang="en-US" sz="1200" dirty="0">
-                <a:solidFill>
-                  <a:schemeClr val="accent1">
-                    <a:lumMod val="75000"/>
-                  </a:schemeClr>
-                </a:solidFill>
-              </a:rPr>
-              <a:t>Log out</a:t>
             </a:r>
           </a:p>
         </p:txBody>
@@ -7889,6 +7660,301 @@
               <a:rPr lang="en-US" dirty="0"/>
               <a:t>…</a:t>
             </a:r>
+          </a:p>
+        </p:txBody>
+      </p:sp>
+      <p:sp>
+        <p:nvSpPr>
+          <p:cNvPr id="74" name="Oval 73">
+            <a:extLst>
+              <a:ext uri="{FF2B5EF4-FFF2-40B4-BE49-F238E27FC236}">
+                <a16:creationId xmlns:a16="http://schemas.microsoft.com/office/drawing/2014/main" id="{23C07CAA-AC3D-944F-9893-5FA069109E68}"/>
+              </a:ext>
+            </a:extLst>
+          </p:cNvPr>
+          <p:cNvSpPr/>
+          <p:nvPr/>
+        </p:nvSpPr>
+        <p:spPr>
+          <a:xfrm>
+            <a:off x="454659" y="5974596"/>
+            <a:ext cx="362431" cy="362431"/>
+          </a:xfrm>
+          <a:prstGeom prst="ellipse">
+            <a:avLst/>
+          </a:prstGeom>
+          <a:noFill/>
+          <a:ln>
+            <a:noFill/>
+          </a:ln>
+        </p:spPr>
+        <p:style>
+          <a:lnRef idx="0">
+            <a:scrgbClr r="0" g="0" b="0"/>
+          </a:lnRef>
+          <a:fillRef idx="0">
+            <a:scrgbClr r="0" g="0" b="0"/>
+          </a:fillRef>
+          <a:effectRef idx="0">
+            <a:scrgbClr r="0" g="0" b="0"/>
+          </a:effectRef>
+          <a:fontRef idx="minor">
+            <a:schemeClr val="accent1"/>
+          </a:fontRef>
+        </p:style>
+        <p:txBody>
+          <a:bodyPr rtlCol="0" anchor="ctr"/>
+          <a:lstStyle/>
+          <a:p>
+            <a:pPr algn="ctr"/>
+            <a:r>
+              <a:rPr lang="en-US" dirty="0"/>
+              <a:t>B</a:t>
+            </a:r>
+          </a:p>
+        </p:txBody>
+      </p:sp>
+      <p:sp>
+        <p:nvSpPr>
+          <p:cNvPr id="75" name="Oval 74">
+            <a:extLst>
+              <a:ext uri="{FF2B5EF4-FFF2-40B4-BE49-F238E27FC236}">
+                <a16:creationId xmlns:a16="http://schemas.microsoft.com/office/drawing/2014/main" id="{A7D15F3B-A712-0943-A4CF-030AF6242E9C}"/>
+              </a:ext>
+            </a:extLst>
+          </p:cNvPr>
+          <p:cNvSpPr/>
+          <p:nvPr/>
+        </p:nvSpPr>
+        <p:spPr>
+          <a:xfrm>
+            <a:off x="1342535" y="5921395"/>
+            <a:ext cx="463136" cy="463136"/>
+          </a:xfrm>
+          <a:prstGeom prst="ellipse">
+            <a:avLst/>
+          </a:prstGeom>
+        </p:spPr>
+        <p:style>
+          <a:lnRef idx="1">
+            <a:schemeClr val="accent5"/>
+          </a:lnRef>
+          <a:fillRef idx="3">
+            <a:schemeClr val="accent5"/>
+          </a:fillRef>
+          <a:effectRef idx="2">
+            <a:schemeClr val="accent5"/>
+          </a:effectRef>
+          <a:fontRef idx="minor">
+            <a:schemeClr val="lt1"/>
+          </a:fontRef>
+        </p:style>
+        <p:txBody>
+          <a:bodyPr rtlCol="0" anchor="ctr"/>
+          <a:lstStyle/>
+          <a:p>
+            <a:pPr algn="ctr"/>
+            <a:r>
+              <a:rPr lang="en-US" dirty="0"/>
+              <a:t>H</a:t>
+            </a:r>
+          </a:p>
+        </p:txBody>
+      </p:sp>
+      <p:sp>
+        <p:nvSpPr>
+          <p:cNvPr id="76" name="Oval 75">
+            <a:extLst>
+              <a:ext uri="{FF2B5EF4-FFF2-40B4-BE49-F238E27FC236}">
+                <a16:creationId xmlns:a16="http://schemas.microsoft.com/office/drawing/2014/main" id="{23681E46-522E-644C-B145-9B32B2690BE2}"/>
+              </a:ext>
+            </a:extLst>
+          </p:cNvPr>
+          <p:cNvSpPr/>
+          <p:nvPr/>
+        </p:nvSpPr>
+        <p:spPr>
+          <a:xfrm>
+            <a:off x="898597" y="5972275"/>
+            <a:ext cx="362431" cy="362431"/>
+          </a:xfrm>
+          <a:prstGeom prst="ellipse">
+            <a:avLst/>
+          </a:prstGeom>
+          <a:noFill/>
+          <a:ln>
+            <a:noFill/>
+          </a:ln>
+        </p:spPr>
+        <p:style>
+          <a:lnRef idx="0">
+            <a:scrgbClr r="0" g="0" b="0"/>
+          </a:lnRef>
+          <a:fillRef idx="0">
+            <a:scrgbClr r="0" g="0" b="0"/>
+          </a:fillRef>
+          <a:effectRef idx="0">
+            <a:scrgbClr r="0" g="0" b="0"/>
+          </a:effectRef>
+          <a:fontRef idx="minor">
+            <a:schemeClr val="accent1"/>
+          </a:fontRef>
+        </p:style>
+        <p:txBody>
+          <a:bodyPr rtlCol="0" anchor="ctr"/>
+          <a:lstStyle/>
+          <a:p>
+            <a:pPr algn="ctr"/>
+            <a:r>
+              <a:rPr lang="en-US" dirty="0"/>
+              <a:t>G</a:t>
+            </a:r>
+          </a:p>
+        </p:txBody>
+      </p:sp>
+      <p:sp>
+        <p:nvSpPr>
+          <p:cNvPr id="77" name="Oval 76">
+            <a:extLst>
+              <a:ext uri="{FF2B5EF4-FFF2-40B4-BE49-F238E27FC236}">
+                <a16:creationId xmlns:a16="http://schemas.microsoft.com/office/drawing/2014/main" id="{02082E36-8C37-0442-B18A-8EAB3075198E}"/>
+              </a:ext>
+            </a:extLst>
+          </p:cNvPr>
+          <p:cNvSpPr/>
+          <p:nvPr/>
+        </p:nvSpPr>
+        <p:spPr>
+          <a:xfrm>
+            <a:off x="1884698" y="5991847"/>
+            <a:ext cx="362431" cy="362431"/>
+          </a:xfrm>
+          <a:prstGeom prst="ellipse">
+            <a:avLst/>
+          </a:prstGeom>
+          <a:noFill/>
+          <a:ln>
+            <a:noFill/>
+          </a:ln>
+        </p:spPr>
+        <p:style>
+          <a:lnRef idx="0">
+            <a:scrgbClr r="0" g="0" b="0"/>
+          </a:lnRef>
+          <a:fillRef idx="0">
+            <a:scrgbClr r="0" g="0" b="0"/>
+          </a:fillRef>
+          <a:effectRef idx="0">
+            <a:scrgbClr r="0" g="0" b="0"/>
+          </a:effectRef>
+          <a:fontRef idx="minor">
+            <a:schemeClr val="accent1"/>
+          </a:fontRef>
+        </p:style>
+        <p:txBody>
+          <a:bodyPr rtlCol="0" anchor="ctr"/>
+          <a:lstStyle/>
+          <a:p>
+            <a:pPr algn="ctr"/>
+            <a:r>
+              <a:rPr lang="en-US" dirty="0"/>
+              <a:t>T</a:t>
+            </a:r>
+          </a:p>
+        </p:txBody>
+      </p:sp>
+      <p:sp>
+        <p:nvSpPr>
+          <p:cNvPr id="78" name="Oval 77">
+            <a:extLst>
+              <a:ext uri="{FF2B5EF4-FFF2-40B4-BE49-F238E27FC236}">
+                <a16:creationId xmlns:a16="http://schemas.microsoft.com/office/drawing/2014/main" id="{B58C1CC5-CD4D-674B-90DA-906ECA5FC32B}"/>
+              </a:ext>
+            </a:extLst>
+          </p:cNvPr>
+          <p:cNvSpPr/>
+          <p:nvPr/>
+        </p:nvSpPr>
+        <p:spPr>
+          <a:xfrm>
+            <a:off x="2326849" y="5991846"/>
+            <a:ext cx="362431" cy="362431"/>
+          </a:xfrm>
+          <a:prstGeom prst="ellipse">
+            <a:avLst/>
+          </a:prstGeom>
+          <a:noFill/>
+          <a:ln>
+            <a:noFill/>
+          </a:ln>
+        </p:spPr>
+        <p:style>
+          <a:lnRef idx="0">
+            <a:scrgbClr r="0" g="0" b="0"/>
+          </a:lnRef>
+          <a:fillRef idx="0">
+            <a:scrgbClr r="0" g="0" b="0"/>
+          </a:fillRef>
+          <a:effectRef idx="0">
+            <a:scrgbClr r="0" g="0" b="0"/>
+          </a:effectRef>
+          <a:fontRef idx="minor">
+            <a:schemeClr val="accent1"/>
+          </a:fontRef>
+        </p:style>
+        <p:txBody>
+          <a:bodyPr rtlCol="0" anchor="ctr"/>
+          <a:lstStyle/>
+          <a:p>
+            <a:pPr algn="ctr"/>
+            <a:r>
+              <a:rPr lang="en-US" dirty="0"/>
+              <a:t>W</a:t>
+            </a:r>
+          </a:p>
+        </p:txBody>
+      </p:sp>
+      <p:sp>
+        <p:nvSpPr>
+          <p:cNvPr id="79" name="Heart 78">
+            <a:extLst>
+              <a:ext uri="{FF2B5EF4-FFF2-40B4-BE49-F238E27FC236}">
+                <a16:creationId xmlns:a16="http://schemas.microsoft.com/office/drawing/2014/main" id="{77FDAA26-A5E2-7443-A61C-DD2BA8CC0DD5}"/>
+              </a:ext>
+            </a:extLst>
+          </p:cNvPr>
+          <p:cNvSpPr/>
+          <p:nvPr/>
+        </p:nvSpPr>
+        <p:spPr>
+          <a:xfrm>
+            <a:off x="51703" y="735479"/>
+            <a:ext cx="857584" cy="752264"/>
+          </a:xfrm>
+          <a:prstGeom prst="heart">
+            <a:avLst/>
+          </a:prstGeom>
+        </p:spPr>
+        <p:style>
+          <a:lnRef idx="1">
+            <a:schemeClr val="accent2"/>
+          </a:lnRef>
+          <a:fillRef idx="2">
+            <a:schemeClr val="accent2"/>
+          </a:fillRef>
+          <a:effectRef idx="1">
+            <a:schemeClr val="accent2"/>
+          </a:effectRef>
+          <a:fontRef idx="minor">
+            <a:schemeClr val="dk1"/>
+          </a:fontRef>
+        </p:style>
+        <p:txBody>
+          <a:bodyPr rtlCol="0" anchor="ctr"/>
+          <a:lstStyle/>
+          <a:p>
+            <a:pPr algn="ctr"/>
+            <a:endParaRPr lang="en-US"/>
           </a:p>
         </p:txBody>
       </p:sp>
@@ -8313,7 +8379,7 @@
         </p:nvSpPr>
         <p:spPr>
           <a:xfrm>
-            <a:off x="10598827" y="1737482"/>
+            <a:off x="9722129" y="2101947"/>
             <a:ext cx="626072" cy="626072"/>
           </a:xfrm>
           <a:prstGeom prst="ellipse">
@@ -8358,7 +8424,7 @@
         </p:nvSpPr>
         <p:spPr>
           <a:xfrm>
-            <a:off x="10732881" y="1877744"/>
+            <a:off x="9856183" y="2242209"/>
             <a:ext cx="357963" cy="357963"/>
           </a:xfrm>
           <a:prstGeom prst="smileyFace">
@@ -8441,8 +8507,8 @@
         </p:nvSpPr>
         <p:spPr>
           <a:xfrm>
-            <a:off x="9076081" y="1690688"/>
-            <a:ext cx="1632149" cy="646331"/>
+            <a:off x="9096975" y="1629871"/>
+            <a:ext cx="2430504" cy="369332"/>
           </a:xfrm>
           <a:prstGeom prst="rect">
             <a:avLst/>
@@ -8817,7 +8883,7 @@
             <a:pPr algn="ctr"/>
             <a:r>
               <a:rPr lang="en-US" dirty="0"/>
-              <a:t>P</a:t>
+              <a:t>B</a:t>
             </a:r>
           </a:p>
         </p:txBody>
@@ -9053,95 +9119,6 @@
             <a:r>
               <a:rPr lang="en-US" dirty="0"/>
               <a:t>U</a:t>
-            </a:r>
-          </a:p>
-        </p:txBody>
-      </p:sp>
-      <p:sp>
-        <p:nvSpPr>
-          <p:cNvPr id="92" name="TextBox 91">
-            <a:extLst>
-              <a:ext uri="{FF2B5EF4-FFF2-40B4-BE49-F238E27FC236}">
-                <a16:creationId xmlns:a16="http://schemas.microsoft.com/office/drawing/2014/main" id="{A27A73ED-40AE-0342-AB35-31FE9B4985E8}"/>
-              </a:ext>
-            </a:extLst>
-          </p:cNvPr>
-          <p:cNvSpPr txBox="1"/>
-          <p:nvPr/>
-        </p:nvSpPr>
-        <p:spPr>
-          <a:xfrm>
-            <a:off x="11123971" y="1595498"/>
-            <a:ext cx="895278" cy="1015663"/>
-          </a:xfrm>
-          <a:prstGeom prst="rect">
-            <a:avLst/>
-          </a:prstGeom>
-          <a:noFill/>
-        </p:spPr>
-        <p:txBody>
-          <a:bodyPr wrap="square" rtlCol="0">
-            <a:spAutoFit/>
-          </a:bodyPr>
-          <a:lstStyle/>
-          <a:p>
-            <a:r>
-              <a:rPr lang="en-US" sz="1200" dirty="0">
-                <a:solidFill>
-                  <a:schemeClr val="accent1">
-                    <a:lumMod val="75000"/>
-                  </a:schemeClr>
-                </a:solidFill>
-              </a:rPr>
-              <a:t>Setting for:</a:t>
-            </a:r>
-          </a:p>
-          <a:p>
-            <a:r>
-              <a:rPr lang="en-US" sz="1200" dirty="0">
-                <a:solidFill>
-                  <a:schemeClr val="accent1">
-                    <a:lumMod val="75000"/>
-                  </a:schemeClr>
-                </a:solidFill>
-              </a:rPr>
-              <a:t>User ID</a:t>
-            </a:r>
-          </a:p>
-          <a:p>
-            <a:r>
-              <a:rPr lang="en-US" sz="1200" dirty="0">
-                <a:solidFill>
-                  <a:schemeClr val="accent1">
-                    <a:lumMod val="75000"/>
-                  </a:schemeClr>
-                </a:solidFill>
-              </a:rPr>
-              <a:t>Email</a:t>
-            </a:r>
-          </a:p>
-          <a:p>
-            <a:r>
-              <a:rPr lang="en-US" sz="1200" dirty="0">
-                <a:solidFill>
-                  <a:schemeClr val="accent1">
-                    <a:lumMod val="75000"/>
-                  </a:schemeClr>
-                </a:solidFill>
-              </a:rPr>
-              <a:t>Password</a:t>
-            </a:r>
-          </a:p>
-          <a:p>
-            <a:r>
-              <a:rPr lang="en-US" sz="1200" dirty="0">
-                <a:solidFill>
-                  <a:schemeClr val="accent1">
-                    <a:lumMod val="75000"/>
-                  </a:schemeClr>
-                </a:solidFill>
-              </a:rPr>
-              <a:t>Log out</a:t>
             </a:r>
           </a:p>
         </p:txBody>
@@ -10893,7 +10870,7 @@
           <p:nvPr>
             <p:extLst>
               <p:ext uri="{D42A27DB-BD31-4B8C-83A1-F6EECF244321}">
-                <p14:modId xmlns:p14="http://schemas.microsoft.com/office/powerpoint/2010/main" val="1433490257"/>
+                <p14:modId xmlns:p14="http://schemas.microsoft.com/office/powerpoint/2010/main" val="718353300"/>
               </p:ext>
             </p:extLst>
           </p:nvPr>
@@ -10909,14 +10886,14 @@
                 <a:tableStyleId>{5FD0F851-EC5A-4D38-B0AD-8093EC10F338}</a:tableStyleId>
               </a:tblPr>
               <a:tblGrid>
-                <a:gridCol w="977348">
+                <a:gridCol w="1811020">
                   <a:extLst>
                     <a:ext uri="{9D8B030D-6E8A-4147-A177-3AD203B41FA5}">
                       <a16:colId xmlns:a16="http://schemas.microsoft.com/office/drawing/2014/main" val="3904149011"/>
                     </a:ext>
                   </a:extLst>
                 </a:gridCol>
-                <a:gridCol w="1659836">
+                <a:gridCol w="826164">
                   <a:extLst>
                     <a:ext uri="{9D8B030D-6E8A-4147-A177-3AD203B41FA5}">
                       <a16:colId xmlns:a16="http://schemas.microsoft.com/office/drawing/2014/main" val="2896787201"/>
@@ -11281,242 +11258,7 @@
         </p:nvSpPr>
         <p:spPr>
           <a:xfrm>
-            <a:off x="10646860" y="2850836"/>
-            <a:ext cx="569994" cy="239826"/>
-          </a:xfrm>
-          <a:prstGeom prst="roundRect">
-            <a:avLst/>
-          </a:prstGeom>
-        </p:spPr>
-        <p:style>
-          <a:lnRef idx="0">
-            <a:schemeClr val="accent5"/>
-          </a:lnRef>
-          <a:fillRef idx="3">
-            <a:schemeClr val="accent5"/>
-          </a:fillRef>
-          <a:effectRef idx="3">
-            <a:schemeClr val="accent5"/>
-          </a:effectRef>
-          <a:fontRef idx="minor">
-            <a:schemeClr val="lt1"/>
-          </a:fontRef>
-        </p:style>
-        <p:txBody>
-          <a:bodyPr rtlCol="0" anchor="ctr"/>
-          <a:lstStyle/>
-          <a:p>
-            <a:pPr algn="ctr"/>
-            <a:r>
-              <a:rPr lang="en-US" sz="1600" dirty="0"/>
-              <a:t>Edit</a:t>
-            </a:r>
-          </a:p>
-        </p:txBody>
-      </p:sp>
-      <p:sp>
-        <p:nvSpPr>
-          <p:cNvPr id="110" name="Rounded Rectangle 109">
-            <a:extLst>
-              <a:ext uri="{FF2B5EF4-FFF2-40B4-BE49-F238E27FC236}">
-                <a16:creationId xmlns:a16="http://schemas.microsoft.com/office/drawing/2014/main" id="{0F96FB1B-A95E-074B-BF9A-EF6D350C202D}"/>
-              </a:ext>
-            </a:extLst>
-          </p:cNvPr>
-          <p:cNvSpPr/>
-          <p:nvPr/>
-        </p:nvSpPr>
-        <p:spPr>
-          <a:xfrm>
-            <a:off x="10646170" y="3319176"/>
-            <a:ext cx="569994" cy="239826"/>
-          </a:xfrm>
-          <a:prstGeom prst="roundRect">
-            <a:avLst/>
-          </a:prstGeom>
-        </p:spPr>
-        <p:style>
-          <a:lnRef idx="0">
-            <a:schemeClr val="accent5"/>
-          </a:lnRef>
-          <a:fillRef idx="3">
-            <a:schemeClr val="accent5"/>
-          </a:fillRef>
-          <a:effectRef idx="3">
-            <a:schemeClr val="accent5"/>
-          </a:effectRef>
-          <a:fontRef idx="minor">
-            <a:schemeClr val="lt1"/>
-          </a:fontRef>
-        </p:style>
-        <p:txBody>
-          <a:bodyPr rtlCol="0" anchor="ctr"/>
-          <a:lstStyle/>
-          <a:p>
-            <a:pPr algn="ctr"/>
-            <a:r>
-              <a:rPr lang="en-US" sz="1600" dirty="0"/>
-              <a:t>Edit</a:t>
-            </a:r>
-          </a:p>
-        </p:txBody>
-      </p:sp>
-      <p:sp>
-        <p:nvSpPr>
-          <p:cNvPr id="111" name="Rounded Rectangle 110">
-            <a:extLst>
-              <a:ext uri="{FF2B5EF4-FFF2-40B4-BE49-F238E27FC236}">
-                <a16:creationId xmlns:a16="http://schemas.microsoft.com/office/drawing/2014/main" id="{BE9CA23D-9049-524D-994C-39799C8F06BB}"/>
-              </a:ext>
-            </a:extLst>
-          </p:cNvPr>
-          <p:cNvSpPr/>
-          <p:nvPr/>
-        </p:nvSpPr>
-        <p:spPr>
-          <a:xfrm>
-            <a:off x="10658732" y="3774678"/>
-            <a:ext cx="569994" cy="239826"/>
-          </a:xfrm>
-          <a:prstGeom prst="roundRect">
-            <a:avLst/>
-          </a:prstGeom>
-        </p:spPr>
-        <p:style>
-          <a:lnRef idx="0">
-            <a:schemeClr val="accent5"/>
-          </a:lnRef>
-          <a:fillRef idx="3">
-            <a:schemeClr val="accent5"/>
-          </a:fillRef>
-          <a:effectRef idx="3">
-            <a:schemeClr val="accent5"/>
-          </a:effectRef>
-          <a:fontRef idx="minor">
-            <a:schemeClr val="lt1"/>
-          </a:fontRef>
-        </p:style>
-        <p:txBody>
-          <a:bodyPr rtlCol="0" anchor="ctr"/>
-          <a:lstStyle/>
-          <a:p>
-            <a:pPr algn="ctr"/>
-            <a:r>
-              <a:rPr lang="en-US" sz="1600" dirty="0"/>
-              <a:t>Edit</a:t>
-            </a:r>
-          </a:p>
-        </p:txBody>
-      </p:sp>
-      <p:sp>
-        <p:nvSpPr>
-          <p:cNvPr id="112" name="Rounded Rectangle 111">
-            <a:extLst>
-              <a:ext uri="{FF2B5EF4-FFF2-40B4-BE49-F238E27FC236}">
-                <a16:creationId xmlns:a16="http://schemas.microsoft.com/office/drawing/2014/main" id="{219BE080-DFCD-464E-BD08-5D9878F5CF3A}"/>
-              </a:ext>
-            </a:extLst>
-          </p:cNvPr>
-          <p:cNvSpPr/>
-          <p:nvPr/>
-        </p:nvSpPr>
-        <p:spPr>
-          <a:xfrm>
-            <a:off x="10658732" y="4233391"/>
-            <a:ext cx="569994" cy="239826"/>
-          </a:xfrm>
-          <a:prstGeom prst="roundRect">
-            <a:avLst/>
-          </a:prstGeom>
-        </p:spPr>
-        <p:style>
-          <a:lnRef idx="0">
-            <a:schemeClr val="accent5"/>
-          </a:lnRef>
-          <a:fillRef idx="3">
-            <a:schemeClr val="accent5"/>
-          </a:fillRef>
-          <a:effectRef idx="3">
-            <a:schemeClr val="accent5"/>
-          </a:effectRef>
-          <a:fontRef idx="minor">
-            <a:schemeClr val="lt1"/>
-          </a:fontRef>
-        </p:style>
-        <p:txBody>
-          <a:bodyPr rtlCol="0" anchor="ctr"/>
-          <a:lstStyle/>
-          <a:p>
-            <a:pPr algn="ctr"/>
-            <a:r>
-              <a:rPr lang="en-US" sz="1600" dirty="0"/>
-              <a:t>Edit</a:t>
-            </a:r>
-          </a:p>
-        </p:txBody>
-      </p:sp>
-      <p:sp>
-        <p:nvSpPr>
-          <p:cNvPr id="113" name="Rounded Rectangle 112">
-            <a:extLst>
-              <a:ext uri="{FF2B5EF4-FFF2-40B4-BE49-F238E27FC236}">
-                <a16:creationId xmlns:a16="http://schemas.microsoft.com/office/drawing/2014/main" id="{0E58E80C-308B-C241-B31E-226C25FDF833}"/>
-              </a:ext>
-            </a:extLst>
-          </p:cNvPr>
-          <p:cNvSpPr/>
-          <p:nvPr/>
-        </p:nvSpPr>
-        <p:spPr>
-          <a:xfrm>
-            <a:off x="10658732" y="4683930"/>
-            <a:ext cx="569994" cy="239826"/>
-          </a:xfrm>
-          <a:prstGeom prst="roundRect">
-            <a:avLst/>
-          </a:prstGeom>
-        </p:spPr>
-        <p:style>
-          <a:lnRef idx="0">
-            <a:schemeClr val="accent5"/>
-          </a:lnRef>
-          <a:fillRef idx="3">
-            <a:schemeClr val="accent5"/>
-          </a:fillRef>
-          <a:effectRef idx="3">
-            <a:schemeClr val="accent5"/>
-          </a:effectRef>
-          <a:fontRef idx="minor">
-            <a:schemeClr val="lt1"/>
-          </a:fontRef>
-        </p:style>
-        <p:txBody>
-          <a:bodyPr rtlCol="0" anchor="ctr"/>
-          <a:lstStyle/>
-          <a:p>
-            <a:pPr algn="ctr"/>
-            <a:r>
-              <a:rPr lang="en-US" sz="1600" dirty="0"/>
-              <a:t>Edit</a:t>
-            </a:r>
-          </a:p>
-        </p:txBody>
-      </p:sp>
-      <p:sp>
-        <p:nvSpPr>
-          <p:cNvPr id="114" name="Rounded Rectangle 113">
-            <a:extLst>
-              <a:ext uri="{FF2B5EF4-FFF2-40B4-BE49-F238E27FC236}">
-                <a16:creationId xmlns:a16="http://schemas.microsoft.com/office/drawing/2014/main" id="{CBAD72E0-5655-D641-8774-DF688455427A}"/>
-              </a:ext>
-            </a:extLst>
-          </p:cNvPr>
-          <p:cNvSpPr/>
-          <p:nvPr/>
-        </p:nvSpPr>
-        <p:spPr>
-          <a:xfrm>
-            <a:off x="10658732" y="5145224"/>
+            <a:off x="9747472" y="2346507"/>
             <a:ext cx="569994" cy="239826"/>
           </a:xfrm>
           <a:prstGeom prst="roundRect">
@@ -11666,6 +11408,50 @@
           </a:fontRef>
         </p:style>
       </p:cxnSp>
+      <p:sp>
+        <p:nvSpPr>
+          <p:cNvPr id="6" name="Heart 5">
+            <a:extLst>
+              <a:ext uri="{FF2B5EF4-FFF2-40B4-BE49-F238E27FC236}">
+                <a16:creationId xmlns:a16="http://schemas.microsoft.com/office/drawing/2014/main" id="{DAA1AFAA-99BA-4142-B51F-DCE8D55874BB}"/>
+              </a:ext>
+            </a:extLst>
+          </p:cNvPr>
+          <p:cNvSpPr/>
+          <p:nvPr/>
+        </p:nvSpPr>
+        <p:spPr>
+          <a:xfrm>
+            <a:off x="8420607" y="843234"/>
+            <a:ext cx="857584" cy="752264"/>
+          </a:xfrm>
+          <a:prstGeom prst="heart">
+            <a:avLst/>
+          </a:prstGeom>
+        </p:spPr>
+        <p:style>
+          <a:lnRef idx="1">
+            <a:schemeClr val="accent2"/>
+          </a:lnRef>
+          <a:fillRef idx="2">
+            <a:schemeClr val="accent2"/>
+          </a:fillRef>
+          <a:effectRef idx="1">
+            <a:schemeClr val="accent2"/>
+          </a:effectRef>
+          <a:fontRef idx="minor">
+            <a:schemeClr val="dk1"/>
+          </a:fontRef>
+        </p:style>
+        <p:txBody>
+          <a:bodyPr rtlCol="0" anchor="ctr"/>
+          <a:lstStyle/>
+          <a:p>
+            <a:pPr algn="ctr"/>
+            <a:endParaRPr lang="en-US"/>
+          </a:p>
+        </p:txBody>
+      </p:sp>
     </p:spTree>
     <p:extLst>
       <p:ext uri="{BB962C8B-B14F-4D97-AF65-F5344CB8AC3E}">
@@ -13713,6 +13499,94 @@
               </a:rPr>
               <a:t>8</a:t>
             </a:r>
+          </a:p>
+        </p:txBody>
+      </p:sp>
+      <p:sp>
+        <p:nvSpPr>
+          <p:cNvPr id="37" name="Heart 36">
+            <a:extLst>
+              <a:ext uri="{FF2B5EF4-FFF2-40B4-BE49-F238E27FC236}">
+                <a16:creationId xmlns:a16="http://schemas.microsoft.com/office/drawing/2014/main" id="{FE629EF2-24B6-2644-A051-E467A0854CCE}"/>
+              </a:ext>
+            </a:extLst>
+          </p:cNvPr>
+          <p:cNvSpPr/>
+          <p:nvPr/>
+        </p:nvSpPr>
+        <p:spPr>
+          <a:xfrm>
+            <a:off x="1048825" y="2055299"/>
+            <a:ext cx="857584" cy="752264"/>
+          </a:xfrm>
+          <a:prstGeom prst="heart">
+            <a:avLst/>
+          </a:prstGeom>
+        </p:spPr>
+        <p:style>
+          <a:lnRef idx="1">
+            <a:schemeClr val="accent2"/>
+          </a:lnRef>
+          <a:fillRef idx="2">
+            <a:schemeClr val="accent2"/>
+          </a:fillRef>
+          <a:effectRef idx="1">
+            <a:schemeClr val="accent2"/>
+          </a:effectRef>
+          <a:fontRef idx="minor">
+            <a:schemeClr val="dk1"/>
+          </a:fontRef>
+        </p:style>
+        <p:txBody>
+          <a:bodyPr rtlCol="0" anchor="ctr"/>
+          <a:lstStyle/>
+          <a:p>
+            <a:pPr algn="ctr"/>
+            <a:endParaRPr lang="en-US"/>
+          </a:p>
+        </p:txBody>
+      </p:sp>
+      <p:sp>
+        <p:nvSpPr>
+          <p:cNvPr id="38" name="Heart 37">
+            <a:extLst>
+              <a:ext uri="{FF2B5EF4-FFF2-40B4-BE49-F238E27FC236}">
+                <a16:creationId xmlns:a16="http://schemas.microsoft.com/office/drawing/2014/main" id="{0E954321-A3CC-6B48-9359-08E926C6AEF7}"/>
+              </a:ext>
+            </a:extLst>
+          </p:cNvPr>
+          <p:cNvSpPr/>
+          <p:nvPr/>
+        </p:nvSpPr>
+        <p:spPr>
+          <a:xfrm>
+            <a:off x="1048825" y="4572344"/>
+            <a:ext cx="857584" cy="752264"/>
+          </a:xfrm>
+          <a:prstGeom prst="heart">
+            <a:avLst/>
+          </a:prstGeom>
+        </p:spPr>
+        <p:style>
+          <a:lnRef idx="1">
+            <a:schemeClr val="accent2"/>
+          </a:lnRef>
+          <a:fillRef idx="2">
+            <a:schemeClr val="accent2"/>
+          </a:fillRef>
+          <a:effectRef idx="1">
+            <a:schemeClr val="accent2"/>
+          </a:effectRef>
+          <a:fontRef idx="minor">
+            <a:schemeClr val="dk1"/>
+          </a:fontRef>
+        </p:style>
+        <p:txBody>
+          <a:bodyPr rtlCol="0" anchor="ctr"/>
+          <a:lstStyle/>
+          <a:p>
+            <a:pPr algn="ctr"/>
+            <a:endParaRPr lang="en-US"/>
           </a:p>
         </p:txBody>
       </p:sp>
